--- a/Pitch + Controls.pptx
+++ b/Pitch + Controls.pptx
@@ -261,7 +261,7 @@
           <a:p>
             <a:fld id="{A283A367-2733-4026-AD71-9D3ADEE81B0C}" type="datetimeFigureOut">
               <a:rPr lang="de-DE" smtClean="0"/>
-              <a:t>07.09.2018</a:t>
+              <a:t>08.09.2018</a:t>
             </a:fld>
             <a:endParaRPr lang="de-DE"/>
           </a:p>
@@ -459,7 +459,7 @@
           <a:p>
             <a:fld id="{A283A367-2733-4026-AD71-9D3ADEE81B0C}" type="datetimeFigureOut">
               <a:rPr lang="de-DE" smtClean="0"/>
-              <a:t>07.09.2018</a:t>
+              <a:t>08.09.2018</a:t>
             </a:fld>
             <a:endParaRPr lang="de-DE"/>
           </a:p>
@@ -667,7 +667,7 @@
           <a:p>
             <a:fld id="{A283A367-2733-4026-AD71-9D3ADEE81B0C}" type="datetimeFigureOut">
               <a:rPr lang="de-DE" smtClean="0"/>
-              <a:t>07.09.2018</a:t>
+              <a:t>08.09.2018</a:t>
             </a:fld>
             <a:endParaRPr lang="de-DE"/>
           </a:p>
@@ -865,7 +865,7 @@
           <a:p>
             <a:fld id="{A283A367-2733-4026-AD71-9D3ADEE81B0C}" type="datetimeFigureOut">
               <a:rPr lang="de-DE" smtClean="0"/>
-              <a:t>07.09.2018</a:t>
+              <a:t>08.09.2018</a:t>
             </a:fld>
             <a:endParaRPr lang="de-DE"/>
           </a:p>
@@ -1140,7 +1140,7 @@
           <a:p>
             <a:fld id="{A283A367-2733-4026-AD71-9D3ADEE81B0C}" type="datetimeFigureOut">
               <a:rPr lang="de-DE" smtClean="0"/>
-              <a:t>07.09.2018</a:t>
+              <a:t>08.09.2018</a:t>
             </a:fld>
             <a:endParaRPr lang="de-DE"/>
           </a:p>
@@ -1405,7 +1405,7 @@
           <a:p>
             <a:fld id="{A283A367-2733-4026-AD71-9D3ADEE81B0C}" type="datetimeFigureOut">
               <a:rPr lang="de-DE" smtClean="0"/>
-              <a:t>07.09.2018</a:t>
+              <a:t>08.09.2018</a:t>
             </a:fld>
             <a:endParaRPr lang="de-DE"/>
           </a:p>
@@ -1817,7 +1817,7 @@
           <a:p>
             <a:fld id="{A283A367-2733-4026-AD71-9D3ADEE81B0C}" type="datetimeFigureOut">
               <a:rPr lang="de-DE" smtClean="0"/>
-              <a:t>07.09.2018</a:t>
+              <a:t>08.09.2018</a:t>
             </a:fld>
             <a:endParaRPr lang="de-DE"/>
           </a:p>
@@ -1958,7 +1958,7 @@
           <a:p>
             <a:fld id="{A283A367-2733-4026-AD71-9D3ADEE81B0C}" type="datetimeFigureOut">
               <a:rPr lang="de-DE" smtClean="0"/>
-              <a:t>07.09.2018</a:t>
+              <a:t>08.09.2018</a:t>
             </a:fld>
             <a:endParaRPr lang="de-DE"/>
           </a:p>
@@ -2071,7 +2071,7 @@
           <a:p>
             <a:fld id="{A283A367-2733-4026-AD71-9D3ADEE81B0C}" type="datetimeFigureOut">
               <a:rPr lang="de-DE" smtClean="0"/>
-              <a:t>07.09.2018</a:t>
+              <a:t>08.09.2018</a:t>
             </a:fld>
             <a:endParaRPr lang="de-DE"/>
           </a:p>
@@ -2382,7 +2382,7 @@
           <a:p>
             <a:fld id="{A283A367-2733-4026-AD71-9D3ADEE81B0C}" type="datetimeFigureOut">
               <a:rPr lang="de-DE" smtClean="0"/>
-              <a:t>07.09.2018</a:t>
+              <a:t>08.09.2018</a:t>
             </a:fld>
             <a:endParaRPr lang="de-DE"/>
           </a:p>
@@ -2670,7 +2670,7 @@
           <a:p>
             <a:fld id="{A283A367-2733-4026-AD71-9D3ADEE81B0C}" type="datetimeFigureOut">
               <a:rPr lang="de-DE" smtClean="0"/>
-              <a:t>07.09.2018</a:t>
+              <a:t>08.09.2018</a:t>
             </a:fld>
             <a:endParaRPr lang="de-DE"/>
           </a:p>
@@ -2911,7 +2911,7 @@
           <a:p>
             <a:fld id="{A283A367-2733-4026-AD71-9D3ADEE81B0C}" type="datetimeFigureOut">
               <a:rPr lang="de-DE" smtClean="0"/>
-              <a:t>07.09.2018</a:t>
+              <a:t>08.09.2018</a:t>
             </a:fld>
             <a:endParaRPr lang="de-DE"/>
           </a:p>
@@ -6258,7 +6258,7 @@
         </p:blipFill>
         <p:spPr>
           <a:xfrm>
-            <a:off x="9403821" y="4427364"/>
+            <a:off x="8615255" y="4427364"/>
             <a:ext cx="616642" cy="616642"/>
           </a:xfrm>
           <a:prstGeom prst="rect">
@@ -6829,7 +6829,7 @@
         </p:nvSpPr>
         <p:spPr>
           <a:xfrm>
-            <a:off x="9107609" y="3940371"/>
+            <a:off x="8319043" y="3940371"/>
             <a:ext cx="1209066" cy="453965"/>
           </a:xfrm>
           <a:prstGeom prst="roundRect">
@@ -6941,400 +6941,12 @@
           </a:p>
         </p:txBody>
       </p:sp>
-      <p:grpSp>
-        <p:nvGrpSpPr>
-          <p:cNvPr id="98" name="Gruppieren 97">
-            <a:extLst>
-              <a:ext uri="{FF2B5EF4-FFF2-40B4-BE49-F238E27FC236}">
-                <a16:creationId xmlns:a16="http://schemas.microsoft.com/office/drawing/2014/main" id="{E9A5E21C-E0FB-40D7-B5CC-FE46984F14FD}"/>
-              </a:ext>
-            </a:extLst>
-          </p:cNvPr>
-          <p:cNvGrpSpPr/>
-          <p:nvPr/>
-        </p:nvGrpSpPr>
-        <p:grpSpPr>
-          <a:xfrm>
-            <a:off x="9225733" y="259439"/>
-            <a:ext cx="2315173" cy="2590322"/>
-            <a:chOff x="8775016" y="346353"/>
-            <a:chExt cx="2315173" cy="2590322"/>
-          </a:xfrm>
-        </p:grpSpPr>
-        <p:sp>
-          <p:nvSpPr>
-            <p:cNvPr id="92" name="Rechteck: abgerundete Ecken 91">
-              <a:extLst>
-                <a:ext uri="{FF2B5EF4-FFF2-40B4-BE49-F238E27FC236}">
-                  <a16:creationId xmlns:a16="http://schemas.microsoft.com/office/drawing/2014/main" id="{68520D1A-E3C6-439F-8E37-0A687B537309}"/>
-                </a:ext>
-              </a:extLst>
-            </p:cNvPr>
-            <p:cNvSpPr/>
-            <p:nvPr/>
-          </p:nvSpPr>
-          <p:spPr>
-            <a:xfrm>
-              <a:off x="8775016" y="346353"/>
-              <a:ext cx="2315173" cy="2590322"/>
-            </a:xfrm>
-            <a:prstGeom prst="roundRect">
-              <a:avLst>
-                <a:gd name="adj" fmla="val 15444"/>
-              </a:avLst>
-            </a:prstGeom>
-            <a:solidFill>
-              <a:schemeClr val="bg1">
-                <a:alpha val="66000"/>
-              </a:schemeClr>
-            </a:solidFill>
-            <a:ln>
-              <a:noFill/>
-            </a:ln>
-          </p:spPr>
-          <p:style>
-            <a:lnRef idx="2">
-              <a:schemeClr val="accent1">
-                <a:shade val="50000"/>
-              </a:schemeClr>
-            </a:lnRef>
-            <a:fillRef idx="1">
-              <a:schemeClr val="accent1"/>
-            </a:fillRef>
-            <a:effectRef idx="0">
-              <a:schemeClr val="accent1"/>
-            </a:effectRef>
-            <a:fontRef idx="minor">
-              <a:schemeClr val="lt1"/>
-            </a:fontRef>
-          </p:style>
-          <p:txBody>
-            <a:bodyPr rtlCol="0" anchor="ctr"/>
-            <a:lstStyle/>
-            <a:p>
-              <a:pPr algn="ctr"/>
-              <a:r>
-                <a:rPr lang="en-US" b="1" dirty="0">
-                  <a:solidFill>
-                    <a:srgbClr val="9A141B"/>
-                  </a:solidFill>
-                </a:rPr>
-                <a:t>Level info:</a:t>
-              </a:r>
-              <a:br>
-                <a:rPr lang="en-US" b="1" dirty="0">
-                  <a:solidFill>
-                    <a:srgbClr val="9A141B"/>
-                  </a:solidFill>
-                </a:rPr>
-              </a:br>
-              <a:r>
-                <a:rPr lang="en-US" b="1" dirty="0">
-                  <a:solidFill>
-                    <a:schemeClr val="tx1"/>
-                  </a:solidFill>
-                </a:rPr>
-                <a:t>level 1</a:t>
-              </a:r>
-            </a:p>
-            <a:p>
-              <a:pPr algn="ctr"/>
-              <a:r>
-                <a:rPr lang="en-US" b="1" dirty="0">
-                  <a:solidFill>
-                    <a:srgbClr val="9A141B"/>
-                  </a:solidFill>
-                </a:rPr>
-                <a:t>Life remaining:</a:t>
-              </a:r>
-              <a:br>
-                <a:rPr lang="en-US" b="1" dirty="0">
-                  <a:solidFill>
-                    <a:srgbClr val="9A141B"/>
-                  </a:solidFill>
-                </a:rPr>
-              </a:br>
-              <a:endParaRPr lang="en-US" b="1" dirty="0">
-                <a:solidFill>
-                  <a:srgbClr val="9A141B"/>
-                </a:solidFill>
-              </a:endParaRPr>
-            </a:p>
-            <a:p>
-              <a:pPr algn="ctr"/>
-              <a:r>
-                <a:rPr lang="en-US" b="1" dirty="0">
-                  <a:solidFill>
-                    <a:srgbClr val="9A141B"/>
-                  </a:solidFill>
-                </a:rPr>
-                <a:t>Cookies remaining:</a:t>
-              </a:r>
-              <a:br>
-                <a:rPr lang="en-US" b="1" dirty="0">
-                  <a:solidFill>
-                    <a:srgbClr val="9A141B"/>
-                  </a:solidFill>
-                </a:rPr>
-              </a:br>
-              <a:endParaRPr lang="en-US" b="1" dirty="0">
-                <a:solidFill>
-                  <a:srgbClr val="9A141B"/>
-                </a:solidFill>
-              </a:endParaRPr>
-            </a:p>
-            <a:p>
-              <a:pPr algn="ctr"/>
-              <a:r>
-                <a:rPr lang="en-US" b="1" dirty="0" err="1">
-                  <a:solidFill>
-                    <a:srgbClr val="9A141B"/>
-                  </a:solidFill>
-                </a:rPr>
-                <a:t>Spended</a:t>
-              </a:r>
-              <a:r>
-                <a:rPr lang="en-US" b="1" dirty="0">
-                  <a:solidFill>
-                    <a:srgbClr val="9A141B"/>
-                  </a:solidFill>
-                </a:rPr>
-                <a:t> Time:</a:t>
-              </a:r>
-            </a:p>
-            <a:p>
-              <a:pPr algn="ctr"/>
-              <a:r>
-                <a:rPr lang="en-US" b="1" dirty="0">
-                  <a:solidFill>
-                    <a:schemeClr val="tx1"/>
-                  </a:solidFill>
-                </a:rPr>
-                <a:t>Time: 1337</a:t>
-              </a:r>
-            </a:p>
-          </p:txBody>
-        </p:sp>
-        <p:grpSp>
-          <p:nvGrpSpPr>
-            <p:cNvPr id="95" name="Gruppieren 94">
-              <a:extLst>
-                <a:ext uri="{FF2B5EF4-FFF2-40B4-BE49-F238E27FC236}">
-                  <a16:creationId xmlns:a16="http://schemas.microsoft.com/office/drawing/2014/main" id="{7B1BDB5A-6F65-4738-8DA9-731983E330B7}"/>
-                </a:ext>
-              </a:extLst>
-            </p:cNvPr>
-            <p:cNvGrpSpPr/>
-            <p:nvPr/>
-          </p:nvGrpSpPr>
-          <p:grpSpPr>
-            <a:xfrm>
-              <a:off x="9484120" y="1375529"/>
-              <a:ext cx="937336" cy="271462"/>
-              <a:chOff x="9375501" y="1328738"/>
-              <a:chExt cx="937336" cy="271462"/>
-            </a:xfrm>
-          </p:grpSpPr>
-          <p:pic>
-            <p:nvPicPr>
-              <p:cNvPr id="89" name="Grafik 88">
-                <a:extLst>
-                  <a:ext uri="{FF2B5EF4-FFF2-40B4-BE49-F238E27FC236}">
-                    <a16:creationId xmlns:a16="http://schemas.microsoft.com/office/drawing/2014/main" id="{649BDB4E-A5C1-4FB7-BA23-056565A7C8D7}"/>
-                  </a:ext>
-                </a:extLst>
-              </p:cNvPr>
-              <p:cNvPicPr>
-                <a:picLocks noChangeAspect="1"/>
-              </p:cNvPicPr>
-              <p:nvPr/>
-            </p:nvPicPr>
-            <p:blipFill rotWithShape="1">
-              <a:blip r:embed="rId9">
-                <a:extLst>
-                  <a:ext uri="{28A0092B-C50C-407E-A947-70E740481C1C}">
-                    <a14:useLocalDpi xmlns:a14="http://schemas.microsoft.com/office/drawing/2010/main" val="0"/>
-                  </a:ext>
-                </a:extLst>
-              </a:blip>
-              <a:srcRect l="25681" t="27829" r="26905" b="28148"/>
-              <a:stretch/>
-            </p:blipFill>
-            <p:spPr>
-              <a:xfrm>
-                <a:off x="9684544" y="1328738"/>
-                <a:ext cx="292374" cy="271462"/>
-              </a:xfrm>
-              <a:prstGeom prst="rect">
-                <a:avLst/>
-              </a:prstGeom>
-              <a:ln>
-                <a:noFill/>
-              </a:ln>
-            </p:spPr>
-          </p:pic>
-          <p:pic>
-            <p:nvPicPr>
-              <p:cNvPr id="90" name="Grafik 89">
-                <a:extLst>
-                  <a:ext uri="{FF2B5EF4-FFF2-40B4-BE49-F238E27FC236}">
-                    <a16:creationId xmlns:a16="http://schemas.microsoft.com/office/drawing/2014/main" id="{BBFD7871-0CD1-4EF5-8F68-5DFB8C1A6A6A}"/>
-                  </a:ext>
-                </a:extLst>
-              </p:cNvPr>
-              <p:cNvPicPr>
-                <a:picLocks noChangeAspect="1"/>
-              </p:cNvPicPr>
-              <p:nvPr/>
-            </p:nvPicPr>
-            <p:blipFill rotWithShape="1">
-              <a:blip r:embed="rId10">
-                <a:extLst>
-                  <a:ext uri="{28A0092B-C50C-407E-A947-70E740481C1C}">
-                    <a14:useLocalDpi xmlns:a14="http://schemas.microsoft.com/office/drawing/2010/main" val="0"/>
-                  </a:ext>
-                </a:extLst>
-              </a:blip>
-              <a:srcRect l="23902" t="27829" r="24326" b="31237"/>
-              <a:stretch/>
-            </p:blipFill>
-            <p:spPr>
-              <a:xfrm>
-                <a:off x="9993587" y="1328738"/>
-                <a:ext cx="319250" cy="252412"/>
-              </a:xfrm>
-              <a:prstGeom prst="rect">
-                <a:avLst/>
-              </a:prstGeom>
-              <a:ln>
-                <a:noFill/>
-              </a:ln>
-            </p:spPr>
-          </p:pic>
-          <p:pic>
-            <p:nvPicPr>
-              <p:cNvPr id="91" name="Grafik 90">
-                <a:extLst>
-                  <a:ext uri="{FF2B5EF4-FFF2-40B4-BE49-F238E27FC236}">
-                    <a16:creationId xmlns:a16="http://schemas.microsoft.com/office/drawing/2014/main" id="{833D3DC1-CDC2-4E25-92B1-581D92C248FF}"/>
-                  </a:ext>
-                </a:extLst>
-              </p:cNvPr>
-              <p:cNvPicPr>
-                <a:picLocks noChangeAspect="1"/>
-              </p:cNvPicPr>
-              <p:nvPr/>
-            </p:nvPicPr>
-            <p:blipFill rotWithShape="1">
-              <a:blip r:embed="rId9">
-                <a:extLst>
-                  <a:ext uri="{28A0092B-C50C-407E-A947-70E740481C1C}">
-                    <a14:useLocalDpi xmlns:a14="http://schemas.microsoft.com/office/drawing/2010/main" val="0"/>
-                  </a:ext>
-                </a:extLst>
-              </a:blip>
-              <a:srcRect l="27460" t="27829" r="25126" b="28148"/>
-              <a:stretch/>
-            </p:blipFill>
-            <p:spPr>
-              <a:xfrm>
-                <a:off x="9375501" y="1328738"/>
-                <a:ext cx="292374" cy="271462"/>
-              </a:xfrm>
-              <a:prstGeom prst="rect">
-                <a:avLst/>
-              </a:prstGeom>
-              <a:ln>
-                <a:noFill/>
-              </a:ln>
-            </p:spPr>
-          </p:pic>
-        </p:grpSp>
-        <p:pic>
-          <p:nvPicPr>
-            <p:cNvPr id="96" name="Grafik 95" descr="Ein Bild, das Wirbellose, Tier enthält.&#10;&#10;Mit hoher Zuverlässigkeit generierte Beschreibung">
-              <a:extLst>
-                <a:ext uri="{FF2B5EF4-FFF2-40B4-BE49-F238E27FC236}">
-                  <a16:creationId xmlns:a16="http://schemas.microsoft.com/office/drawing/2014/main" id="{79408EC7-1CA2-4122-A25D-AEE4FF9AA9BE}"/>
-                </a:ext>
-              </a:extLst>
-            </p:cNvPr>
-            <p:cNvPicPr>
-              <a:picLocks noChangeAspect="1"/>
-            </p:cNvPicPr>
-            <p:nvPr/>
-          </p:nvPicPr>
-          <p:blipFill>
-            <a:blip r:embed="rId5">
-              <a:extLst>
-                <a:ext uri="{28A0092B-C50C-407E-A947-70E740481C1C}">
-                  <a14:useLocalDpi xmlns:a14="http://schemas.microsoft.com/office/drawing/2010/main" val="0"/>
-                </a:ext>
-              </a:extLst>
-            </a:blip>
-            <a:stretch>
-              <a:fillRect/>
-            </a:stretch>
-          </p:blipFill>
-          <p:spPr>
-            <a:xfrm>
-              <a:off x="9658040" y="1870471"/>
-              <a:ext cx="370683" cy="370683"/>
-            </a:xfrm>
-            <a:prstGeom prst="rect">
-              <a:avLst/>
-            </a:prstGeom>
-            <a:ln>
-              <a:noFill/>
-            </a:ln>
-          </p:spPr>
-        </p:pic>
-        <p:sp>
-          <p:nvSpPr>
-            <p:cNvPr id="97" name="Textfeld 96">
-              <a:extLst>
-                <a:ext uri="{FF2B5EF4-FFF2-40B4-BE49-F238E27FC236}">
-                  <a16:creationId xmlns:a16="http://schemas.microsoft.com/office/drawing/2014/main" id="{EA4F743E-6CBE-4BBA-BD9C-28F6632C7ED4}"/>
-                </a:ext>
-              </a:extLst>
-            </p:cNvPr>
-            <p:cNvSpPr txBox="1"/>
-            <p:nvPr/>
-          </p:nvSpPr>
-          <p:spPr>
-            <a:xfrm>
-              <a:off x="9976176" y="1856762"/>
-              <a:ext cx="349312" cy="369332"/>
-            </a:xfrm>
-            <a:prstGeom prst="rect">
-              <a:avLst/>
-            </a:prstGeom>
-            <a:noFill/>
-          </p:spPr>
-          <p:txBody>
-            <a:bodyPr wrap="square" rtlCol="0">
-              <a:spAutoFit/>
-            </a:bodyPr>
-            <a:lstStyle/>
-            <a:p>
-              <a:r>
-                <a:rPr lang="de-DE" b="1" dirty="0">
-                  <a:solidFill>
-                    <a:srgbClr val="B79B83"/>
-                  </a:solidFill>
-                </a:rPr>
-                <a:t>5</a:t>
-              </a:r>
-            </a:p>
-          </p:txBody>
-        </p:sp>
-      </p:grpSp>
       <p:sp>
         <p:nvSpPr>
-          <p:cNvPr id="99" name="Rechteck: abgerundete Ecken 98">
-            <a:extLst>
-              <a:ext uri="{FF2B5EF4-FFF2-40B4-BE49-F238E27FC236}">
-                <a16:creationId xmlns:a16="http://schemas.microsoft.com/office/drawing/2014/main" id="{A6E4F70F-1BEA-473D-8B32-41C6954D5331}"/>
+          <p:cNvPr id="92" name="Rechteck: abgerundete Ecken 91">
+            <a:extLst>
+              <a:ext uri="{FF2B5EF4-FFF2-40B4-BE49-F238E27FC236}">
+                <a16:creationId xmlns:a16="http://schemas.microsoft.com/office/drawing/2014/main" id="{68520D1A-E3C6-439F-8E37-0A687B537309}"/>
               </a:ext>
             </a:extLst>
           </p:cNvPr>
@@ -7343,8 +6955,8 @@
         </p:nvSpPr>
         <p:spPr>
           <a:xfrm>
-            <a:off x="6960585" y="5746791"/>
-            <a:ext cx="724784" cy="446513"/>
+            <a:off x="207558" y="259438"/>
+            <a:ext cx="2315173" cy="3061357"/>
           </a:xfrm>
           <a:prstGeom prst="roundRect">
             <a:avLst>
@@ -7382,6 +6994,396 @@
           <a:p>
             <a:pPr algn="ctr"/>
             <a:r>
+              <a:rPr lang="en-US" b="1" dirty="0">
+                <a:solidFill>
+                  <a:srgbClr val="9A141B"/>
+                </a:solidFill>
+              </a:rPr>
+              <a:t>Level info:</a:t>
+            </a:r>
+            <a:br>
+              <a:rPr lang="en-US" b="1" dirty="0">
+                <a:solidFill>
+                  <a:srgbClr val="9A141B"/>
+                </a:solidFill>
+              </a:rPr>
+            </a:br>
+            <a:r>
+              <a:rPr lang="en-US" b="1" dirty="0">
+                <a:solidFill>
+                  <a:schemeClr val="tx1"/>
+                </a:solidFill>
+              </a:rPr>
+              <a:t>level 1</a:t>
+            </a:r>
+          </a:p>
+          <a:p>
+            <a:pPr algn="ctr"/>
+            <a:r>
+              <a:rPr lang="en-US" b="1" dirty="0">
+                <a:solidFill>
+                  <a:srgbClr val="9A141B"/>
+                </a:solidFill>
+              </a:rPr>
+              <a:t>Life remaining:</a:t>
+            </a:r>
+            <a:br>
+              <a:rPr lang="en-US" b="1" dirty="0">
+                <a:solidFill>
+                  <a:srgbClr val="9A141B"/>
+                </a:solidFill>
+              </a:rPr>
+            </a:br>
+            <a:endParaRPr lang="en-US" b="1" dirty="0">
+              <a:solidFill>
+                <a:srgbClr val="9A141B"/>
+              </a:solidFill>
+            </a:endParaRPr>
+          </a:p>
+          <a:p>
+            <a:pPr algn="ctr"/>
+            <a:r>
+              <a:rPr lang="en-US" b="1" dirty="0">
+                <a:solidFill>
+                  <a:srgbClr val="9A141B"/>
+                </a:solidFill>
+              </a:rPr>
+              <a:t>Cookies remaining:</a:t>
+            </a:r>
+            <a:br>
+              <a:rPr lang="en-US" b="1" dirty="0">
+                <a:solidFill>
+                  <a:srgbClr val="9A141B"/>
+                </a:solidFill>
+              </a:rPr>
+            </a:br>
+            <a:endParaRPr lang="en-US" b="1" dirty="0">
+              <a:solidFill>
+                <a:srgbClr val="9A141B"/>
+              </a:solidFill>
+            </a:endParaRPr>
+          </a:p>
+          <a:p>
+            <a:pPr algn="ctr"/>
+            <a:r>
+              <a:rPr lang="en-US" b="1" dirty="0" err="1">
+                <a:solidFill>
+                  <a:srgbClr val="9A141B"/>
+                </a:solidFill>
+              </a:rPr>
+              <a:t>Spended</a:t>
+            </a:r>
+            <a:r>
+              <a:rPr lang="en-US" b="1" dirty="0">
+                <a:solidFill>
+                  <a:srgbClr val="9A141B"/>
+                </a:solidFill>
+              </a:rPr>
+              <a:t> Time:</a:t>
+            </a:r>
+          </a:p>
+          <a:p>
+            <a:pPr algn="ctr"/>
+            <a:r>
+              <a:rPr lang="en-US" b="1" dirty="0">
+                <a:solidFill>
+                  <a:schemeClr val="tx1"/>
+                </a:solidFill>
+              </a:rPr>
+              <a:t>Time: 1337</a:t>
+            </a:r>
+            <a:br>
+              <a:rPr lang="en-US" b="1" dirty="0">
+                <a:solidFill>
+                  <a:schemeClr val="tx1"/>
+                </a:solidFill>
+              </a:rPr>
+            </a:br>
+            <a:endParaRPr lang="en-US" b="1" dirty="0">
+              <a:solidFill>
+                <a:srgbClr val="9A141B"/>
+              </a:solidFill>
+            </a:endParaRPr>
+          </a:p>
+          <a:p>
+            <a:pPr algn="ctr"/>
+            <a:r>
+              <a:rPr lang="en-US" b="1" dirty="0">
+                <a:solidFill>
+                  <a:srgbClr val="9A141B"/>
+                </a:solidFill>
+              </a:rPr>
+              <a:t>Change Level</a:t>
+            </a:r>
+          </a:p>
+        </p:txBody>
+      </p:sp>
+      <p:grpSp>
+        <p:nvGrpSpPr>
+          <p:cNvPr id="95" name="Gruppieren 94">
+            <a:extLst>
+              <a:ext uri="{FF2B5EF4-FFF2-40B4-BE49-F238E27FC236}">
+                <a16:creationId xmlns:a16="http://schemas.microsoft.com/office/drawing/2014/main" id="{7B1BDB5A-6F65-4738-8DA9-731983E330B7}"/>
+              </a:ext>
+            </a:extLst>
+          </p:cNvPr>
+          <p:cNvGrpSpPr/>
+          <p:nvPr/>
+        </p:nvGrpSpPr>
+        <p:grpSpPr>
+          <a:xfrm>
+            <a:off x="940050" y="1246645"/>
+            <a:ext cx="937336" cy="271462"/>
+            <a:chOff x="9375501" y="1328738"/>
+            <a:chExt cx="937336" cy="271462"/>
+          </a:xfrm>
+        </p:grpSpPr>
+        <p:pic>
+          <p:nvPicPr>
+            <p:cNvPr id="89" name="Grafik 88">
+              <a:extLst>
+                <a:ext uri="{FF2B5EF4-FFF2-40B4-BE49-F238E27FC236}">
+                  <a16:creationId xmlns:a16="http://schemas.microsoft.com/office/drawing/2014/main" id="{649BDB4E-A5C1-4FB7-BA23-056565A7C8D7}"/>
+                </a:ext>
+              </a:extLst>
+            </p:cNvPr>
+            <p:cNvPicPr>
+              <a:picLocks noChangeAspect="1"/>
+            </p:cNvPicPr>
+            <p:nvPr/>
+          </p:nvPicPr>
+          <p:blipFill rotWithShape="1">
+            <a:blip r:embed="rId9">
+              <a:extLst>
+                <a:ext uri="{28A0092B-C50C-407E-A947-70E740481C1C}">
+                  <a14:useLocalDpi xmlns:a14="http://schemas.microsoft.com/office/drawing/2010/main" val="0"/>
+                </a:ext>
+              </a:extLst>
+            </a:blip>
+            <a:srcRect l="25681" t="27829" r="26905" b="28148"/>
+            <a:stretch/>
+          </p:blipFill>
+          <p:spPr>
+            <a:xfrm>
+              <a:off x="9684544" y="1328738"/>
+              <a:ext cx="292374" cy="271462"/>
+            </a:xfrm>
+            <a:prstGeom prst="rect">
+              <a:avLst/>
+            </a:prstGeom>
+            <a:ln>
+              <a:noFill/>
+            </a:ln>
+          </p:spPr>
+        </p:pic>
+        <p:pic>
+          <p:nvPicPr>
+            <p:cNvPr id="90" name="Grafik 89">
+              <a:extLst>
+                <a:ext uri="{FF2B5EF4-FFF2-40B4-BE49-F238E27FC236}">
+                  <a16:creationId xmlns:a16="http://schemas.microsoft.com/office/drawing/2014/main" id="{BBFD7871-0CD1-4EF5-8F68-5DFB8C1A6A6A}"/>
+                </a:ext>
+              </a:extLst>
+            </p:cNvPr>
+            <p:cNvPicPr>
+              <a:picLocks noChangeAspect="1"/>
+            </p:cNvPicPr>
+            <p:nvPr/>
+          </p:nvPicPr>
+          <p:blipFill rotWithShape="1">
+            <a:blip r:embed="rId10">
+              <a:extLst>
+                <a:ext uri="{28A0092B-C50C-407E-A947-70E740481C1C}">
+                  <a14:useLocalDpi xmlns:a14="http://schemas.microsoft.com/office/drawing/2010/main" val="0"/>
+                </a:ext>
+              </a:extLst>
+            </a:blip>
+            <a:srcRect l="23902" t="27829" r="24326" b="31237"/>
+            <a:stretch/>
+          </p:blipFill>
+          <p:spPr>
+            <a:xfrm>
+              <a:off x="9993587" y="1328738"/>
+              <a:ext cx="319250" cy="252412"/>
+            </a:xfrm>
+            <a:prstGeom prst="rect">
+              <a:avLst/>
+            </a:prstGeom>
+            <a:ln>
+              <a:noFill/>
+            </a:ln>
+          </p:spPr>
+        </p:pic>
+        <p:pic>
+          <p:nvPicPr>
+            <p:cNvPr id="91" name="Grafik 90">
+              <a:extLst>
+                <a:ext uri="{FF2B5EF4-FFF2-40B4-BE49-F238E27FC236}">
+                  <a16:creationId xmlns:a16="http://schemas.microsoft.com/office/drawing/2014/main" id="{833D3DC1-CDC2-4E25-92B1-581D92C248FF}"/>
+                </a:ext>
+              </a:extLst>
+            </p:cNvPr>
+            <p:cNvPicPr>
+              <a:picLocks noChangeAspect="1"/>
+            </p:cNvPicPr>
+            <p:nvPr/>
+          </p:nvPicPr>
+          <p:blipFill rotWithShape="1">
+            <a:blip r:embed="rId9">
+              <a:extLst>
+                <a:ext uri="{28A0092B-C50C-407E-A947-70E740481C1C}">
+                  <a14:useLocalDpi xmlns:a14="http://schemas.microsoft.com/office/drawing/2010/main" val="0"/>
+                </a:ext>
+              </a:extLst>
+            </a:blip>
+            <a:srcRect l="27460" t="27829" r="25126" b="28148"/>
+            <a:stretch/>
+          </p:blipFill>
+          <p:spPr>
+            <a:xfrm>
+              <a:off x="9375501" y="1328738"/>
+              <a:ext cx="292374" cy="271462"/>
+            </a:xfrm>
+            <a:prstGeom prst="rect">
+              <a:avLst/>
+            </a:prstGeom>
+            <a:ln>
+              <a:noFill/>
+            </a:ln>
+          </p:spPr>
+        </p:pic>
+      </p:grpSp>
+      <p:pic>
+        <p:nvPicPr>
+          <p:cNvPr id="96" name="Grafik 95" descr="Ein Bild, das Wirbellose, Tier enthält.&#10;&#10;Mit hoher Zuverlässigkeit generierte Beschreibung">
+            <a:extLst>
+              <a:ext uri="{FF2B5EF4-FFF2-40B4-BE49-F238E27FC236}">
+                <a16:creationId xmlns:a16="http://schemas.microsoft.com/office/drawing/2014/main" id="{79408EC7-1CA2-4122-A25D-AEE4FF9AA9BE}"/>
+              </a:ext>
+            </a:extLst>
+          </p:cNvPr>
+          <p:cNvPicPr>
+            <a:picLocks noChangeAspect="1"/>
+          </p:cNvPicPr>
+          <p:nvPr/>
+        </p:nvPicPr>
+        <p:blipFill>
+          <a:blip r:embed="rId5">
+            <a:extLst>
+              <a:ext uri="{28A0092B-C50C-407E-A947-70E740481C1C}">
+                <a14:useLocalDpi xmlns:a14="http://schemas.microsoft.com/office/drawing/2010/main" val="0"/>
+              </a:ext>
+            </a:extLst>
+          </a:blip>
+          <a:stretch>
+            <a:fillRect/>
+          </a:stretch>
+        </p:blipFill>
+        <p:spPr>
+          <a:xfrm>
+            <a:off x="1079898" y="1757749"/>
+            <a:ext cx="370683" cy="370683"/>
+          </a:xfrm>
+          <a:prstGeom prst="rect">
+            <a:avLst/>
+          </a:prstGeom>
+          <a:ln>
+            <a:noFill/>
+          </a:ln>
+        </p:spPr>
+      </p:pic>
+      <p:sp>
+        <p:nvSpPr>
+          <p:cNvPr id="97" name="Textfeld 96">
+            <a:extLst>
+              <a:ext uri="{FF2B5EF4-FFF2-40B4-BE49-F238E27FC236}">
+                <a16:creationId xmlns:a16="http://schemas.microsoft.com/office/drawing/2014/main" id="{EA4F743E-6CBE-4BBA-BD9C-28F6632C7ED4}"/>
+              </a:ext>
+            </a:extLst>
+          </p:cNvPr>
+          <p:cNvSpPr txBox="1"/>
+          <p:nvPr/>
+        </p:nvSpPr>
+        <p:spPr>
+          <a:xfrm>
+            <a:off x="1408718" y="1769848"/>
+            <a:ext cx="349312" cy="369332"/>
+          </a:xfrm>
+          <a:prstGeom prst="rect">
+            <a:avLst/>
+          </a:prstGeom>
+          <a:noFill/>
+        </p:spPr>
+        <p:txBody>
+          <a:bodyPr wrap="square" rtlCol="0">
+            <a:spAutoFit/>
+          </a:bodyPr>
+          <a:lstStyle/>
+          <a:p>
+            <a:r>
+              <a:rPr lang="de-DE" b="1" dirty="0">
+                <a:solidFill>
+                  <a:srgbClr val="B79B83"/>
+                </a:solidFill>
+              </a:rPr>
+              <a:t>5</a:t>
+            </a:r>
+          </a:p>
+        </p:txBody>
+      </p:sp>
+      <p:sp>
+        <p:nvSpPr>
+          <p:cNvPr id="99" name="Rechteck: abgerundete Ecken 98">
+            <a:extLst>
+              <a:ext uri="{FF2B5EF4-FFF2-40B4-BE49-F238E27FC236}">
+                <a16:creationId xmlns:a16="http://schemas.microsoft.com/office/drawing/2014/main" id="{A6E4F70F-1BEA-473D-8B32-41C6954D5331}"/>
+              </a:ext>
+            </a:extLst>
+          </p:cNvPr>
+          <p:cNvSpPr/>
+          <p:nvPr/>
+        </p:nvSpPr>
+        <p:spPr>
+          <a:xfrm>
+            <a:off x="6960585" y="5746791"/>
+            <a:ext cx="724784" cy="446513"/>
+          </a:xfrm>
+          <a:prstGeom prst="roundRect">
+            <a:avLst>
+              <a:gd name="adj" fmla="val 15444"/>
+            </a:avLst>
+          </a:prstGeom>
+          <a:solidFill>
+            <a:schemeClr val="bg1">
+              <a:alpha val="66000"/>
+            </a:schemeClr>
+          </a:solidFill>
+          <a:ln>
+            <a:noFill/>
+          </a:ln>
+        </p:spPr>
+        <p:style>
+          <a:lnRef idx="2">
+            <a:schemeClr val="accent1">
+              <a:shade val="50000"/>
+            </a:schemeClr>
+          </a:lnRef>
+          <a:fillRef idx="1">
+            <a:schemeClr val="accent1"/>
+          </a:fillRef>
+          <a:effectRef idx="0">
+            <a:schemeClr val="accent1"/>
+          </a:effectRef>
+          <a:fontRef idx="minor">
+            <a:schemeClr val="lt1"/>
+          </a:fontRef>
+        </p:style>
+        <p:txBody>
+          <a:bodyPr rtlCol="0" anchor="ctr"/>
+          <a:lstStyle/>
+          <a:p>
+            <a:pPr algn="ctr"/>
+            <a:r>
               <a:rPr lang="de-DE" b="1" dirty="0">
                 <a:solidFill>
                   <a:srgbClr val="9A141B"/>
@@ -7392,6 +7394,645 @@
           </a:p>
         </p:txBody>
       </p:sp>
+      <p:grpSp>
+        <p:nvGrpSpPr>
+          <p:cNvPr id="57" name="Gruppieren 56">
+            <a:extLst>
+              <a:ext uri="{FF2B5EF4-FFF2-40B4-BE49-F238E27FC236}">
+                <a16:creationId xmlns:a16="http://schemas.microsoft.com/office/drawing/2014/main" id="{39128D86-8CE9-4AE8-85FF-8C654CDADB49}"/>
+              </a:ext>
+            </a:extLst>
+          </p:cNvPr>
+          <p:cNvGrpSpPr/>
+          <p:nvPr/>
+        </p:nvGrpSpPr>
+        <p:grpSpPr>
+          <a:xfrm>
+            <a:off x="7509987" y="166019"/>
+            <a:ext cx="4293324" cy="3102999"/>
+            <a:chOff x="550852" y="2141236"/>
+            <a:chExt cx="5206822" cy="3763229"/>
+          </a:xfrm>
+        </p:grpSpPr>
+        <p:pic>
+          <p:nvPicPr>
+            <p:cNvPr id="58" name="Grafik 57">
+              <a:extLst>
+                <a:ext uri="{FF2B5EF4-FFF2-40B4-BE49-F238E27FC236}">
+                  <a16:creationId xmlns:a16="http://schemas.microsoft.com/office/drawing/2014/main" id="{C48DF1FB-1593-4239-91D3-E3EED0DBD8E5}"/>
+                </a:ext>
+              </a:extLst>
+            </p:cNvPr>
+            <p:cNvPicPr>
+              <a:picLocks noChangeAspect="1"/>
+            </p:cNvPicPr>
+            <p:nvPr/>
+          </p:nvPicPr>
+          <p:blipFill rotWithShape="1">
+            <a:blip r:embed="rId11">
+              <a:extLst>
+                <a:ext uri="{28A0092B-C50C-407E-A947-70E740481C1C}">
+                  <a14:useLocalDpi xmlns:a14="http://schemas.microsoft.com/office/drawing/2010/main" val="0"/>
+                </a:ext>
+              </a:extLst>
+            </a:blip>
+            <a:srcRect t="16660" r="59649" b="14619"/>
+            <a:stretch/>
+          </p:blipFill>
+          <p:spPr>
+            <a:xfrm>
+              <a:off x="2286035" y="2141236"/>
+              <a:ext cx="3471639" cy="2956288"/>
+            </a:xfrm>
+            <a:prstGeom prst="rect">
+              <a:avLst/>
+            </a:prstGeom>
+          </p:spPr>
+        </p:pic>
+        <p:sp>
+          <p:nvSpPr>
+            <p:cNvPr id="59" name="Rechteck: abgerundete Ecken 58">
+              <a:extLst>
+                <a:ext uri="{FF2B5EF4-FFF2-40B4-BE49-F238E27FC236}">
+                  <a16:creationId xmlns:a16="http://schemas.microsoft.com/office/drawing/2014/main" id="{BE60EC14-A624-4814-B15F-213C9ADB8964}"/>
+                </a:ext>
+              </a:extLst>
+            </p:cNvPr>
+            <p:cNvSpPr/>
+            <p:nvPr/>
+          </p:nvSpPr>
+          <p:spPr>
+            <a:xfrm>
+              <a:off x="2289305" y="2182691"/>
+              <a:ext cx="487517" cy="480131"/>
+            </a:xfrm>
+            <a:prstGeom prst="roundRect">
+              <a:avLst>
+                <a:gd name="adj" fmla="val 8489"/>
+              </a:avLst>
+            </a:prstGeom>
+            <a:solidFill>
+              <a:srgbClr val="B79B83"/>
+            </a:solidFill>
+            <a:ln>
+              <a:solidFill>
+                <a:srgbClr val="B79B83"/>
+              </a:solidFill>
+            </a:ln>
+          </p:spPr>
+          <p:style>
+            <a:lnRef idx="2">
+              <a:schemeClr val="accent2">
+                <a:shade val="50000"/>
+              </a:schemeClr>
+            </a:lnRef>
+            <a:fillRef idx="1">
+              <a:schemeClr val="accent2"/>
+            </a:fillRef>
+            <a:effectRef idx="0">
+              <a:schemeClr val="accent2"/>
+            </a:effectRef>
+            <a:fontRef idx="minor">
+              <a:schemeClr val="lt1"/>
+            </a:fontRef>
+          </p:style>
+          <p:txBody>
+            <a:bodyPr rtlCol="0" anchor="ctr"/>
+            <a:lstStyle/>
+            <a:p>
+              <a:pPr algn="ctr"/>
+              <a:r>
+                <a:rPr lang="de-DE" sz="1050" b="1" dirty="0"/>
+                <a:t>ESC</a:t>
+              </a:r>
+            </a:p>
+          </p:txBody>
+        </p:sp>
+        <p:sp>
+          <p:nvSpPr>
+            <p:cNvPr id="60" name="Rechteck: abgerundete Ecken 59">
+              <a:extLst>
+                <a:ext uri="{FF2B5EF4-FFF2-40B4-BE49-F238E27FC236}">
+                  <a16:creationId xmlns:a16="http://schemas.microsoft.com/office/drawing/2014/main" id="{807BB9FC-8C20-41C4-AEB4-EF5D7D3A9F1C}"/>
+                </a:ext>
+              </a:extLst>
+            </p:cNvPr>
+            <p:cNvSpPr/>
+            <p:nvPr/>
+          </p:nvSpPr>
+          <p:spPr>
+            <a:xfrm>
+              <a:off x="3689481" y="2763273"/>
+              <a:ext cx="487517" cy="480131"/>
+            </a:xfrm>
+            <a:prstGeom prst="roundRect">
+              <a:avLst>
+                <a:gd name="adj" fmla="val 8489"/>
+              </a:avLst>
+            </a:prstGeom>
+            <a:solidFill>
+              <a:srgbClr val="B79B83"/>
+            </a:solidFill>
+            <a:ln>
+              <a:solidFill>
+                <a:srgbClr val="B79B83"/>
+              </a:solidFill>
+            </a:ln>
+          </p:spPr>
+          <p:style>
+            <a:lnRef idx="2">
+              <a:schemeClr val="accent2">
+                <a:shade val="50000"/>
+              </a:schemeClr>
+            </a:lnRef>
+            <a:fillRef idx="1">
+              <a:schemeClr val="accent2"/>
+            </a:fillRef>
+            <a:effectRef idx="0">
+              <a:schemeClr val="accent2"/>
+            </a:effectRef>
+            <a:fontRef idx="minor">
+              <a:schemeClr val="lt1"/>
+            </a:fontRef>
+          </p:style>
+          <p:txBody>
+            <a:bodyPr rtlCol="0" anchor="ctr"/>
+            <a:lstStyle/>
+            <a:p>
+              <a:pPr algn="ctr"/>
+              <a:r>
+                <a:rPr lang="de-DE" sz="1200" b="1" dirty="0"/>
+                <a:t>W</a:t>
+              </a:r>
+            </a:p>
+          </p:txBody>
+        </p:sp>
+        <p:cxnSp>
+          <p:nvCxnSpPr>
+            <p:cNvPr id="62" name="Gerader Verbinder 61">
+              <a:extLst>
+                <a:ext uri="{FF2B5EF4-FFF2-40B4-BE49-F238E27FC236}">
+                  <a16:creationId xmlns:a16="http://schemas.microsoft.com/office/drawing/2014/main" id="{77EA64AD-A885-4EF6-AED6-7BFE23800D84}"/>
+                </a:ext>
+              </a:extLst>
+            </p:cNvPr>
+            <p:cNvCxnSpPr>
+              <a:cxnSpLocks/>
+              <a:endCxn id="63" idx="2"/>
+            </p:cNvCxnSpPr>
+            <p:nvPr/>
+          </p:nvCxnSpPr>
+          <p:spPr>
+            <a:xfrm flipV="1">
+              <a:off x="3518902" y="3823155"/>
+              <a:ext cx="1" cy="1306541"/>
+            </a:xfrm>
+            <a:prstGeom prst="line">
+              <a:avLst/>
+            </a:prstGeom>
+            <a:ln w="28575"/>
+          </p:spPr>
+          <p:style>
+            <a:lnRef idx="3">
+              <a:schemeClr val="accent4"/>
+            </a:lnRef>
+            <a:fillRef idx="0">
+              <a:schemeClr val="accent4"/>
+            </a:fillRef>
+            <a:effectRef idx="2">
+              <a:schemeClr val="accent4"/>
+            </a:effectRef>
+            <a:fontRef idx="minor">
+              <a:schemeClr val="tx1"/>
+            </a:fontRef>
+          </p:style>
+        </p:cxnSp>
+        <p:sp>
+          <p:nvSpPr>
+            <p:cNvPr id="63" name="Rechteck: abgerundete Ecken 62">
+              <a:extLst>
+                <a:ext uri="{FF2B5EF4-FFF2-40B4-BE49-F238E27FC236}">
+                  <a16:creationId xmlns:a16="http://schemas.microsoft.com/office/drawing/2014/main" id="{B0C49A3F-6B17-48B2-B1B7-74B477C521BF}"/>
+                </a:ext>
+              </a:extLst>
+            </p:cNvPr>
+            <p:cNvSpPr/>
+            <p:nvPr/>
+          </p:nvSpPr>
+          <p:spPr>
+            <a:xfrm>
+              <a:off x="3275144" y="3343024"/>
+              <a:ext cx="487517" cy="480131"/>
+            </a:xfrm>
+            <a:prstGeom prst="roundRect">
+              <a:avLst>
+                <a:gd name="adj" fmla="val 8489"/>
+              </a:avLst>
+            </a:prstGeom>
+            <a:solidFill>
+              <a:srgbClr val="B79B83"/>
+            </a:solidFill>
+            <a:ln>
+              <a:solidFill>
+                <a:srgbClr val="B79B83"/>
+              </a:solidFill>
+            </a:ln>
+          </p:spPr>
+          <p:style>
+            <a:lnRef idx="2">
+              <a:schemeClr val="accent2">
+                <a:shade val="50000"/>
+              </a:schemeClr>
+            </a:lnRef>
+            <a:fillRef idx="1">
+              <a:schemeClr val="accent2"/>
+            </a:fillRef>
+            <a:effectRef idx="0">
+              <a:schemeClr val="accent2"/>
+            </a:effectRef>
+            <a:fontRef idx="minor">
+              <a:schemeClr val="lt1"/>
+            </a:fontRef>
+          </p:style>
+          <p:txBody>
+            <a:bodyPr rtlCol="0" anchor="ctr"/>
+            <a:lstStyle/>
+            <a:p>
+              <a:pPr algn="ctr"/>
+              <a:r>
+                <a:rPr lang="de-DE" sz="1200" b="1" dirty="0"/>
+                <a:t>A</a:t>
+              </a:r>
+            </a:p>
+          </p:txBody>
+        </p:sp>
+        <p:sp>
+          <p:nvSpPr>
+            <p:cNvPr id="72" name="Rechteck: abgerundete Ecken 71">
+              <a:extLst>
+                <a:ext uri="{FF2B5EF4-FFF2-40B4-BE49-F238E27FC236}">
+                  <a16:creationId xmlns:a16="http://schemas.microsoft.com/office/drawing/2014/main" id="{8D16303C-0891-4132-872E-B18B2D16CF44}"/>
+                </a:ext>
+              </a:extLst>
+            </p:cNvPr>
+            <p:cNvSpPr/>
+            <p:nvPr/>
+          </p:nvSpPr>
+          <p:spPr>
+            <a:xfrm>
+              <a:off x="4461006" y="3343024"/>
+              <a:ext cx="487517" cy="480131"/>
+            </a:xfrm>
+            <a:prstGeom prst="roundRect">
+              <a:avLst>
+                <a:gd name="adj" fmla="val 8489"/>
+              </a:avLst>
+            </a:prstGeom>
+            <a:solidFill>
+              <a:srgbClr val="B79B83"/>
+            </a:solidFill>
+            <a:ln>
+              <a:solidFill>
+                <a:srgbClr val="B79B83"/>
+              </a:solidFill>
+            </a:ln>
+          </p:spPr>
+          <p:style>
+            <a:lnRef idx="2">
+              <a:schemeClr val="accent2">
+                <a:shade val="50000"/>
+              </a:schemeClr>
+            </a:lnRef>
+            <a:fillRef idx="1">
+              <a:schemeClr val="accent2"/>
+            </a:fillRef>
+            <a:effectRef idx="0">
+              <a:schemeClr val="accent2"/>
+            </a:effectRef>
+            <a:fontRef idx="minor">
+              <a:schemeClr val="lt1"/>
+            </a:fontRef>
+          </p:style>
+          <p:txBody>
+            <a:bodyPr rtlCol="0" anchor="ctr"/>
+            <a:lstStyle/>
+            <a:p>
+              <a:pPr algn="ctr"/>
+              <a:r>
+                <a:rPr lang="de-DE" sz="1200" b="1" dirty="0"/>
+                <a:t>S</a:t>
+              </a:r>
+            </a:p>
+          </p:txBody>
+        </p:sp>
+        <p:sp>
+          <p:nvSpPr>
+            <p:cNvPr id="76" name="Textfeld 75">
+              <a:extLst>
+                <a:ext uri="{FF2B5EF4-FFF2-40B4-BE49-F238E27FC236}">
+                  <a16:creationId xmlns:a16="http://schemas.microsoft.com/office/drawing/2014/main" id="{78913B30-19E4-4520-B65B-F5F8F011BE68}"/>
+                </a:ext>
+              </a:extLst>
+            </p:cNvPr>
+            <p:cNvSpPr txBox="1"/>
+            <p:nvPr/>
+          </p:nvSpPr>
+          <p:spPr>
+            <a:xfrm>
+              <a:off x="550852" y="2238090"/>
+              <a:ext cx="1395242" cy="373263"/>
+            </a:xfrm>
+            <a:prstGeom prst="rect">
+              <a:avLst/>
+            </a:prstGeom>
+            <a:noFill/>
+          </p:spPr>
+          <p:txBody>
+            <a:bodyPr wrap="square" rtlCol="0">
+              <a:spAutoFit/>
+            </a:bodyPr>
+            <a:lstStyle/>
+            <a:p>
+              <a:r>
+                <a:rPr lang="de-DE" sz="1400" b="1" dirty="0">
+                  <a:solidFill>
+                    <a:schemeClr val="accent6">
+                      <a:lumMod val="20000"/>
+                      <a:lumOff val="80000"/>
+                    </a:schemeClr>
+                  </a:solidFill>
+                </a:rPr>
+                <a:t>Open Menu</a:t>
+              </a:r>
+            </a:p>
+          </p:txBody>
+        </p:sp>
+        <p:sp>
+          <p:nvSpPr>
+            <p:cNvPr id="77" name="Rechteck 76">
+              <a:extLst>
+                <a:ext uri="{FF2B5EF4-FFF2-40B4-BE49-F238E27FC236}">
+                  <a16:creationId xmlns:a16="http://schemas.microsoft.com/office/drawing/2014/main" id="{9C8DD9FD-17E6-4C30-AA58-56F1CE79DAB7}"/>
+                </a:ext>
+              </a:extLst>
+            </p:cNvPr>
+            <p:cNvSpPr/>
+            <p:nvPr/>
+          </p:nvSpPr>
+          <p:spPr>
+            <a:xfrm>
+              <a:off x="2612581" y="5129696"/>
+              <a:ext cx="1460060" cy="373263"/>
+            </a:xfrm>
+            <a:prstGeom prst="rect">
+              <a:avLst/>
+            </a:prstGeom>
+          </p:spPr>
+          <p:txBody>
+            <a:bodyPr wrap="square">
+              <a:spAutoFit/>
+            </a:bodyPr>
+            <a:lstStyle/>
+            <a:p>
+              <a:r>
+                <a:rPr lang="de-DE" sz="1400" b="1" dirty="0">
+                  <a:solidFill>
+                    <a:schemeClr val="accent6">
+                      <a:lumMod val="20000"/>
+                      <a:lumOff val="80000"/>
+                    </a:schemeClr>
+                  </a:solidFill>
+                </a:rPr>
+                <a:t>Move </a:t>
+              </a:r>
+              <a:r>
+                <a:rPr lang="de-DE" sz="1400" b="1" dirty="0" err="1">
+                  <a:solidFill>
+                    <a:schemeClr val="accent6">
+                      <a:lumMod val="20000"/>
+                      <a:lumOff val="80000"/>
+                    </a:schemeClr>
+                  </a:solidFill>
+                </a:rPr>
+                <a:t>Left</a:t>
+              </a:r>
+              <a:endParaRPr lang="de-DE" sz="1400" b="1" dirty="0">
+                <a:solidFill>
+                  <a:schemeClr val="accent6">
+                    <a:lumMod val="20000"/>
+                    <a:lumOff val="80000"/>
+                  </a:schemeClr>
+                </a:solidFill>
+              </a:endParaRPr>
+            </a:p>
+          </p:txBody>
+        </p:sp>
+        <p:sp>
+          <p:nvSpPr>
+            <p:cNvPr id="78" name="Rechteck 77">
+              <a:extLst>
+                <a:ext uri="{FF2B5EF4-FFF2-40B4-BE49-F238E27FC236}">
+                  <a16:creationId xmlns:a16="http://schemas.microsoft.com/office/drawing/2014/main" id="{1257A8E5-6629-4834-9CF5-0C00A1975A66}"/>
+                </a:ext>
+              </a:extLst>
+            </p:cNvPr>
+            <p:cNvSpPr/>
+            <p:nvPr/>
+          </p:nvSpPr>
+          <p:spPr>
+            <a:xfrm>
+              <a:off x="4064685" y="5129696"/>
+              <a:ext cx="1259374" cy="373263"/>
+            </a:xfrm>
+            <a:prstGeom prst="rect">
+              <a:avLst/>
+            </a:prstGeom>
+          </p:spPr>
+          <p:txBody>
+            <a:bodyPr wrap="none">
+              <a:spAutoFit/>
+            </a:bodyPr>
+            <a:lstStyle/>
+            <a:p>
+              <a:r>
+                <a:rPr lang="de-DE" sz="1400" b="1" dirty="0">
+                  <a:solidFill>
+                    <a:schemeClr val="accent6">
+                      <a:lumMod val="20000"/>
+                      <a:lumOff val="80000"/>
+                    </a:schemeClr>
+                  </a:solidFill>
+                </a:rPr>
+                <a:t>Move Right</a:t>
+              </a:r>
+            </a:p>
+          </p:txBody>
+        </p:sp>
+        <p:sp>
+          <p:nvSpPr>
+            <p:cNvPr id="79" name="Rechteck 78">
+              <a:extLst>
+                <a:ext uri="{FF2B5EF4-FFF2-40B4-BE49-F238E27FC236}">
+                  <a16:creationId xmlns:a16="http://schemas.microsoft.com/office/drawing/2014/main" id="{DE93EC63-02B7-4BF3-8CA8-525C375AF189}"/>
+                </a:ext>
+              </a:extLst>
+            </p:cNvPr>
+            <p:cNvSpPr/>
+            <p:nvPr/>
+          </p:nvSpPr>
+          <p:spPr>
+            <a:xfrm>
+              <a:off x="3585226" y="5531202"/>
+              <a:ext cx="706089" cy="373263"/>
+            </a:xfrm>
+            <a:prstGeom prst="rect">
+              <a:avLst/>
+            </a:prstGeom>
+          </p:spPr>
+          <p:txBody>
+            <a:bodyPr wrap="none">
+              <a:spAutoFit/>
+            </a:bodyPr>
+            <a:lstStyle/>
+            <a:p>
+              <a:r>
+                <a:rPr lang="de-DE" sz="1400" b="1" dirty="0">
+                  <a:solidFill>
+                    <a:schemeClr val="accent6">
+                      <a:lumMod val="20000"/>
+                      <a:lumOff val="80000"/>
+                    </a:schemeClr>
+                  </a:solidFill>
+                </a:rPr>
+                <a:t>Jump</a:t>
+              </a:r>
+            </a:p>
+          </p:txBody>
+        </p:sp>
+        <p:cxnSp>
+          <p:nvCxnSpPr>
+            <p:cNvPr id="80" name="Gerader Verbinder 79">
+              <a:extLst>
+                <a:ext uri="{FF2B5EF4-FFF2-40B4-BE49-F238E27FC236}">
+                  <a16:creationId xmlns:a16="http://schemas.microsoft.com/office/drawing/2014/main" id="{793316C5-025B-452E-8E96-0D26B9C66353}"/>
+                </a:ext>
+              </a:extLst>
+            </p:cNvPr>
+            <p:cNvCxnSpPr>
+              <a:cxnSpLocks/>
+              <a:stCxn id="79" idx="0"/>
+              <a:endCxn id="60" idx="2"/>
+            </p:cNvCxnSpPr>
+            <p:nvPr/>
+          </p:nvCxnSpPr>
+          <p:spPr>
+            <a:xfrm flipH="1" flipV="1">
+              <a:off x="3933240" y="3243404"/>
+              <a:ext cx="5032" cy="2287798"/>
+            </a:xfrm>
+            <a:prstGeom prst="line">
+              <a:avLst/>
+            </a:prstGeom>
+            <a:ln w="28575"/>
+          </p:spPr>
+          <p:style>
+            <a:lnRef idx="3">
+              <a:schemeClr val="accent4"/>
+            </a:lnRef>
+            <a:fillRef idx="0">
+              <a:schemeClr val="accent4"/>
+            </a:fillRef>
+            <a:effectRef idx="2">
+              <a:schemeClr val="accent4"/>
+            </a:effectRef>
+            <a:fontRef idx="minor">
+              <a:schemeClr val="tx1"/>
+            </a:fontRef>
+          </p:style>
+        </p:cxnSp>
+        <p:cxnSp>
+          <p:nvCxnSpPr>
+            <p:cNvPr id="81" name="Gerader Verbinder 80">
+              <a:extLst>
+                <a:ext uri="{FF2B5EF4-FFF2-40B4-BE49-F238E27FC236}">
+                  <a16:creationId xmlns:a16="http://schemas.microsoft.com/office/drawing/2014/main" id="{52B31390-0950-43F8-8B24-66D9F8AE1627}"/>
+                </a:ext>
+              </a:extLst>
+            </p:cNvPr>
+            <p:cNvCxnSpPr>
+              <a:cxnSpLocks/>
+              <a:stCxn id="76" idx="3"/>
+              <a:endCxn id="59" idx="1"/>
+            </p:cNvCxnSpPr>
+            <p:nvPr/>
+          </p:nvCxnSpPr>
+          <p:spPr>
+            <a:xfrm flipV="1">
+              <a:off x="1946094" y="2422757"/>
+              <a:ext cx="343211" cy="1966"/>
+            </a:xfrm>
+            <a:prstGeom prst="line">
+              <a:avLst/>
+            </a:prstGeom>
+            <a:ln w="28575"/>
+          </p:spPr>
+          <p:style>
+            <a:lnRef idx="3">
+              <a:schemeClr val="accent4"/>
+            </a:lnRef>
+            <a:fillRef idx="0">
+              <a:schemeClr val="accent4"/>
+            </a:fillRef>
+            <a:effectRef idx="2">
+              <a:schemeClr val="accent4"/>
+            </a:effectRef>
+            <a:fontRef idx="minor">
+              <a:schemeClr val="tx1"/>
+            </a:fontRef>
+          </p:style>
+        </p:cxnSp>
+        <p:cxnSp>
+          <p:nvCxnSpPr>
+            <p:cNvPr id="82" name="Gerader Verbinder 81">
+              <a:extLst>
+                <a:ext uri="{FF2B5EF4-FFF2-40B4-BE49-F238E27FC236}">
+                  <a16:creationId xmlns:a16="http://schemas.microsoft.com/office/drawing/2014/main" id="{6B49081A-5B20-4A1E-AEAF-3DD49D5AEC90}"/>
+                </a:ext>
+              </a:extLst>
+            </p:cNvPr>
+            <p:cNvCxnSpPr>
+              <a:cxnSpLocks/>
+              <a:stCxn id="72" idx="2"/>
+              <a:endCxn id="78" idx="0"/>
+            </p:cNvCxnSpPr>
+            <p:nvPr/>
+          </p:nvCxnSpPr>
+          <p:spPr>
+            <a:xfrm flipH="1">
+              <a:off x="4694372" y="3823155"/>
+              <a:ext cx="10393" cy="1306541"/>
+            </a:xfrm>
+            <a:prstGeom prst="line">
+              <a:avLst/>
+            </a:prstGeom>
+            <a:ln w="28575"/>
+          </p:spPr>
+          <p:style>
+            <a:lnRef idx="3">
+              <a:schemeClr val="accent4"/>
+            </a:lnRef>
+            <a:fillRef idx="0">
+              <a:schemeClr val="accent4"/>
+            </a:fillRef>
+            <a:effectRef idx="2">
+              <a:schemeClr val="accent4"/>
+            </a:effectRef>
+            <a:fontRef idx="minor">
+              <a:schemeClr val="tx1"/>
+            </a:fontRef>
+          </p:style>
+        </p:cxnSp>
+      </p:grpSp>
     </p:spTree>
     <p:extLst>
       <p:ext uri="{BB962C8B-B14F-4D97-AF65-F5344CB8AC3E}">
@@ -8449,13 +9090,6 @@
 </file>
 
 <file path=customXml/item1.xml><?xml version="1.0" encoding="utf-8"?>
-<Application xmlns="http://www.sap.com/cof/powerpoint/application">
-  <Version>2</Version>
-  <Revision>2.5.201.74495</Revision>
-</Application>
-</file>
-
-<file path=customXml/item2.xml><?xml version="1.0" encoding="utf-8"?>
 <Application xmlns="http://www.sap.com/cof/ao/powerpoint/application">
   <com.sap.ip.bi.pioneer>
     <Version>4</Version>
@@ -8473,6 +9107,13 @@
 </Application>
 </file>
 
+<file path=customXml/item2.xml><?xml version="1.0" encoding="utf-8"?>
+<Application xmlns="http://www.sap.com/cof/powerpoint/application">
+  <Version>2</Version>
+  <Revision>2.5.201.74495</Revision>
+</Application>
+</file>
+
 <file path=customXml/item3.xml>
 </file>
 
@@ -8483,6 +9124,14 @@
 </file>
 
 <file path=customXml/itemProps1.xml><?xml version="1.0" encoding="utf-8"?>
+<ds:datastoreItem xmlns:ds="http://schemas.openxmlformats.org/officeDocument/2006/customXml" ds:itemID="{44723FA6-B1A5-4CA4-AE18-8FB0E9AA9608}">
+  <ds:schemaRefs>
+    <ds:schemaRef ds:uri="http://www.sap.com/cof/ao/powerpoint/application"/>
+  </ds:schemaRefs>
+</ds:datastoreItem>
+</file>
+
+<file path=customXml/itemProps2.xml><?xml version="1.0" encoding="utf-8"?>
 <ds:datastoreItem xmlns:ds="http://schemas.openxmlformats.org/officeDocument/2006/customXml" ds:itemID="{D45665F1-D73E-49B6-99EF-AB86714A815A}">
   <ds:schemaRefs>
     <ds:schemaRef ds:uri="http://www.sap.com/cof/powerpoint/application"/>
@@ -8490,16 +9139,8 @@
 </ds:datastoreItem>
 </file>
 
-<file path=customXml/itemProps2.xml><?xml version="1.0" encoding="utf-8"?>
-<ds:datastoreItem xmlns:ds="http://schemas.openxmlformats.org/officeDocument/2006/customXml" ds:itemID="{44723FA6-B1A5-4CA4-AE18-8FB0E9AA9608}">
-  <ds:schemaRefs>
-    <ds:schemaRef ds:uri="http://www.sap.com/cof/ao/powerpoint/application"/>
-  </ds:schemaRefs>
-</ds:datastoreItem>
-</file>
-
 <file path=customXml/itemProps3.xml><?xml version="1.0" encoding="utf-8"?>
-<ds:datastoreItem xmlns:ds="http://schemas.openxmlformats.org/officeDocument/2006/customXml" ds:itemID="{2E4677D1-6936-4BF1-A595-120AC79AD739}"/>
+<ds:datastoreItem xmlns:ds="http://schemas.openxmlformats.org/officeDocument/2006/customXml" ds:itemID="{BDA0C33A-4E85-4045-9A22-D0C1D2A9BB4D}"/>
 </file>
 
 <file path=customXml/itemProps4.xml><?xml version="1.0" encoding="utf-8"?>
@@ -8507,5 +9148,5 @@
 </file>
 
 <file path=customXml/itemProps5.xml><?xml version="1.0" encoding="utf-8"?>
-<ds:datastoreItem xmlns:ds="http://schemas.openxmlformats.org/officeDocument/2006/customXml" ds:itemID="{BDA0C33A-4E85-4045-9A22-D0C1D2A9BB4D}"/>
+<ds:datastoreItem xmlns:ds="http://schemas.openxmlformats.org/officeDocument/2006/customXml" ds:itemID="{2E4677D1-6936-4BF1-A595-120AC79AD739}"/>
 </file>